--- a/study/ppt/[스터디]4.4회귀에서의_요인변수_KDH.pptx
+++ b/study/ppt/[스터디]4.4회귀에서의_요인변수_KDH.pptx
@@ -5,13 +5,11 @@
     <p:sldMasterId id="2147483648" r:id="rId1"/>
   </p:sldMasterIdLst>
   <p:notesMasterIdLst>
-    <p:notesMasterId r:id="rId6"/>
+    <p:notesMasterId r:id="rId4"/>
   </p:notesMasterIdLst>
   <p:sldIdLst>
     <p:sldId id="258" r:id="rId2"/>
     <p:sldId id="259" r:id="rId3"/>
-    <p:sldId id="260" r:id="rId4"/>
-    <p:sldId id="261" r:id="rId5"/>
   </p:sldIdLst>
   <p:sldSz cx="9906000" cy="6858000" type="A4"/>
   <p:notesSz cx="6858000" cy="9144000"/>
@@ -310,7 +308,7 @@
       </p15:sldGuideLst>
     </p:ext>
     <p:ext uri="http://customooxmlschemas.google.com/">
-      <go:slidesCustomData xmlns:go="http://customooxmlschemas.google.com/" xmlns:p15="http://schemas.microsoft.com/office/powerpoint/2012/main" xmlns:p14="http://schemas.microsoft.com/office/powerpoint/2010/main" xmlns:com="http://schemas.openxmlformats.org/drawingml/2006/compatibility" xmlns:pvml="urn:schemas-microsoft-com:office:powerpoint" xmlns:v="urn:schemas-microsoft-com:vml" xmlns:o="urn:schemas-microsoft-com:office:office" xmlns:dgm="http://schemas.openxmlformats.org/drawingml/2006/diagram" xmlns:c="http://schemas.openxmlformats.org/drawingml/2006/chart" xmlns:mv="urn:schemas-microsoft-com:mac:vml" xmlns:mc="http://schemas.openxmlformats.org/markup-compatibility/2006" xmlns="" r:id="rId11" roundtripDataSignature="AMtx7mhva3UHPhQA4WbyUQCroSE+7w+SGg=="/>
+      <go:slidesCustomData xmlns="" xmlns:mc="http://schemas.openxmlformats.org/markup-compatibility/2006" xmlns:mv="urn:schemas-microsoft-com:mac:vml" xmlns:c="http://schemas.openxmlformats.org/drawingml/2006/chart" xmlns:dgm="http://schemas.openxmlformats.org/drawingml/2006/diagram" xmlns:o="urn:schemas-microsoft-com:office:office" xmlns:v="urn:schemas-microsoft-com:vml" xmlns:pvml="urn:schemas-microsoft-com:office:powerpoint" xmlns:com="http://schemas.openxmlformats.org/drawingml/2006/compatibility" xmlns:p14="http://schemas.microsoft.com/office/powerpoint/2010/main" xmlns:p15="http://schemas.microsoft.com/office/powerpoint/2012/main" xmlns:go="http://customooxmlschemas.google.com/" r:id="rId11" roundtripDataSignature="AMtx7mhva3UHPhQA4WbyUQCroSE+7w+SGg=="/>
     </p:ext>
   </p:extLst>
 </p:presentation>
@@ -1630,70 +1628,7 @@
                 </a:highlight>
                 <a:hlinkClick r:id="rId3"/>
               </a:rPr>
-              <a:t>https://bkshin.tistory.com/entry/DATA-18</a:t>
-            </a:r>
-            <a:endParaRPr lang="en-US" altLang="ko-KR" dirty="0">
-              <a:highlight>
-                <a:srgbClr val="FFFF00"/>
-              </a:highlight>
-            </a:endParaRPr>
-          </a:p>
-          <a:p>
-            <a:pPr marL="0" lvl="0" indent="0" algn="l" rtl="0">
-              <a:lnSpc>
-                <a:spcPct val="100000"/>
-              </a:lnSpc>
-              <a:spcBef>
-                <a:spcPts val="0"/>
-              </a:spcBef>
-              <a:spcAft>
-                <a:spcPts val="0"/>
-              </a:spcAft>
-              <a:buClr>
-                <a:schemeClr val="dk1"/>
-              </a:buClr>
-              <a:buSzPts val="1200"/>
-              <a:buFont typeface="Noto Sans Symbols"/>
-              <a:buNone/>
-            </a:pPr>
-            <a:r>
-              <a:rPr lang="en-US" altLang="ko-KR" dirty="0">
-                <a:highlight>
-                  <a:srgbClr val="FFFF00"/>
-                </a:highlight>
-                <a:hlinkClick r:id="rId4"/>
-              </a:rPr>
-              <a:t>https://bongury.tistory.com/259</a:t>
-            </a:r>
-            <a:endParaRPr lang="en-US" altLang="ko-KR" dirty="0">
-              <a:highlight>
-                <a:srgbClr val="FFFF00"/>
-              </a:highlight>
-            </a:endParaRPr>
-          </a:p>
-          <a:p>
-            <a:pPr marL="0" lvl="0" indent="0" algn="l" rtl="0">
-              <a:lnSpc>
-                <a:spcPct val="100000"/>
-              </a:lnSpc>
-              <a:spcBef>
-                <a:spcPts val="0"/>
-              </a:spcBef>
-              <a:spcAft>
-                <a:spcPts val="0"/>
-              </a:spcAft>
-              <a:buClr>
-                <a:schemeClr val="dk1"/>
-              </a:buClr>
-              <a:buSzPts val="1200"/>
-              <a:buFont typeface="Noto Sans Symbols"/>
-              <a:buNone/>
-            </a:pPr>
-            <a:r>
-              <a:rPr lang="en-US" altLang="ko-KR" dirty="0">
-                <a:hlinkClick r:id="rId5"/>
-              </a:rPr>
-              <a:t>https://bioinformaticsandme.tistory.com/290</a:t>
+              <a:t>https://bkshin.tistory.com/entry/DATA-19</a:t>
             </a:r>
             <a:endParaRPr u="none" dirty="0">
               <a:highlight>
@@ -1876,77 +1811,6 @@
               <a:buFont typeface="Noto Sans Symbols"/>
               <a:buNone/>
             </a:pPr>
-            <a:r>
-              <a:rPr lang="en-US" u="none" dirty="0" err="1">
-                <a:highlight>
-                  <a:srgbClr val="FFFF00"/>
-                </a:highlight>
-              </a:rPr>
-              <a:t>R_style</a:t>
-            </a:r>
-            <a:r>
-              <a:rPr lang="en-US" u="none" dirty="0">
-                <a:highlight>
-                  <a:srgbClr val="FFFF00"/>
-                </a:highlight>
-              </a:rPr>
-              <a:t> : </a:t>
-            </a:r>
-            <a:r>
-              <a:rPr lang="en-US" altLang="ko-KR" dirty="0">
-                <a:highlight>
-                  <a:srgbClr val="FFFF00"/>
-                </a:highlight>
-                <a:hlinkClick r:id="rId3"/>
-              </a:rPr>
-              <a:t>https://www.statsmodels.org/dev/example_formulas.html</a:t>
-            </a:r>
-            <a:endParaRPr lang="en-US" altLang="ko-KR" dirty="0">
-              <a:highlight>
-                <a:srgbClr val="FFFF00"/>
-              </a:highlight>
-            </a:endParaRPr>
-          </a:p>
-          <a:p>
-            <a:pPr marL="0" lvl="0" indent="0" algn="l" rtl="0">
-              <a:lnSpc>
-                <a:spcPct val="100000"/>
-              </a:lnSpc>
-              <a:spcBef>
-                <a:spcPts val="0"/>
-              </a:spcBef>
-              <a:spcAft>
-                <a:spcPts val="0"/>
-              </a:spcAft>
-              <a:buClr>
-                <a:schemeClr val="dk1"/>
-              </a:buClr>
-              <a:buSzPts val="1200"/>
-              <a:buFont typeface="Noto Sans Symbols"/>
-              <a:buNone/>
-            </a:pPr>
-            <a:r>
-              <a:rPr lang="en-US" u="none" dirty="0" err="1">
-                <a:highlight>
-                  <a:srgbClr val="FFFF00"/>
-                </a:highlight>
-              </a:rPr>
-              <a:t>Python_style</a:t>
-            </a:r>
-            <a:r>
-              <a:rPr lang="en-US" u="none" dirty="0">
-                <a:highlight>
-                  <a:srgbClr val="FFFF00"/>
-                </a:highlight>
-              </a:rPr>
-              <a:t> : </a:t>
-            </a:r>
-            <a:r>
-              <a:rPr lang="en-US" altLang="ko-KR" dirty="0">
-                <a:hlinkClick r:id="rId4"/>
-              </a:rPr>
-              <a:t>https://www.statsmodels.org/devel/generated/statsmodels.regression.linear_model.OLS.html</a:t>
-            </a:r>
             <a:endParaRPr u="none" dirty="0">
               <a:highlight>
                 <a:srgbClr val="FFFF00"/>
@@ -2004,511 +1868,7 @@
     </p:spTree>
     <p:extLst>
       <p:ext uri="{BB962C8B-B14F-4D97-AF65-F5344CB8AC3E}">
-        <p14:creationId xmlns:p14="http://schemas.microsoft.com/office/powerpoint/2010/main" val="3428356071"/>
-      </p:ext>
-    </p:extLst>
-  </p:cSld>
-  <p:clrMapOvr>
-    <a:masterClrMapping/>
-  </p:clrMapOvr>
-</p:notes>
-</file>
-
-<file path=ppt/notesSlides/notesSlide3.xml><?xml version="1.0" encoding="utf-8"?>
-<p:notes xmlns:a="http://schemas.openxmlformats.org/drawingml/2006/main" xmlns:r="http://schemas.openxmlformats.org/officeDocument/2006/relationships" xmlns:p="http://schemas.openxmlformats.org/presentationml/2006/main" showMasterSp="0" showMasterPhAnim="0">
-  <p:cSld>
-    <p:spTree>
-      <p:nvGrpSpPr>
-        <p:cNvPr id="1" name="Shape 24"/>
-        <p:cNvGrpSpPr/>
-        <p:nvPr/>
-      </p:nvGrpSpPr>
-      <p:grpSpPr>
-        <a:xfrm>
-          <a:off x="0" y="0"/>
-          <a:ext cx="0" cy="0"/>
-          <a:chOff x="0" y="0"/>
-          <a:chExt cx="0" cy="0"/>
-        </a:xfrm>
-      </p:grpSpPr>
-      <p:sp>
-        <p:nvSpPr>
-          <p:cNvPr id="25" name="Google Shape;25;p2:notes"/>
-          <p:cNvSpPr>
-            <a:spLocks noGrp="1" noRot="1" noChangeAspect="1"/>
-          </p:cNvSpPr>
-          <p:nvPr>
-            <p:ph type="sldImg" idx="2"/>
-          </p:nvPr>
-        </p:nvSpPr>
-        <p:spPr>
-          <a:xfrm>
-            <a:off x="1200150" y="1143000"/>
-            <a:ext cx="4457700" cy="3086100"/>
-          </a:xfrm>
-          <a:custGeom>
-            <a:avLst/>
-            <a:gdLst/>
-            <a:ahLst/>
-            <a:cxnLst/>
-            <a:rect l="l" t="t" r="r" b="b"/>
-            <a:pathLst>
-              <a:path w="120000" h="120000" extrusionOk="0">
-                <a:moveTo>
-                  <a:pt x="0" y="0"/>
-                </a:moveTo>
-                <a:lnTo>
-                  <a:pt x="120000" y="0"/>
-                </a:lnTo>
-                <a:lnTo>
-                  <a:pt x="120000" y="120000"/>
-                </a:lnTo>
-                <a:lnTo>
-                  <a:pt x="0" y="120000"/>
-                </a:lnTo>
-                <a:close/>
-              </a:path>
-            </a:pathLst>
-          </a:custGeom>
-          <a:noFill/>
-          <a:ln w="12700" cap="flat" cmpd="sng">
-            <a:solidFill>
-              <a:srgbClr val="000000"/>
-            </a:solidFill>
-            <a:prstDash val="solid"/>
-            <a:round/>
-            <a:headEnd type="none" w="sm" len="sm"/>
-            <a:tailEnd type="none" w="sm" len="sm"/>
-          </a:ln>
-        </p:spPr>
-      </p:sp>
-      <p:sp>
-        <p:nvSpPr>
-          <p:cNvPr id="26" name="Google Shape;26;p2:notes"/>
-          <p:cNvSpPr txBox="1">
-            <a:spLocks noGrp="1"/>
-          </p:cNvSpPr>
-          <p:nvPr>
-            <p:ph type="body" idx="1"/>
-          </p:nvPr>
-        </p:nvSpPr>
-        <p:spPr>
-          <a:xfrm>
-            <a:off x="685800" y="4400550"/>
-            <a:ext cx="5486400" cy="3600450"/>
-          </a:xfrm>
-          <a:prstGeom prst="rect">
-            <a:avLst/>
-          </a:prstGeom>
-          <a:noFill/>
-          <a:ln>
-            <a:noFill/>
-          </a:ln>
-        </p:spPr>
-        <p:txBody>
-          <a:bodyPr spcFirstLastPara="1" wrap="square" lIns="91425" tIns="45700" rIns="91425" bIns="45700" anchor="t" anchorCtr="0">
-            <a:noAutofit/>
-          </a:bodyPr>
-          <a:lstStyle/>
-          <a:p>
-            <a:pPr marL="0" lvl="0" indent="0" algn="l" rtl="0">
-              <a:lnSpc>
-                <a:spcPct val="100000"/>
-              </a:lnSpc>
-              <a:spcBef>
-                <a:spcPts val="0"/>
-              </a:spcBef>
-              <a:spcAft>
-                <a:spcPts val="0"/>
-              </a:spcAft>
-              <a:buClr>
-                <a:schemeClr val="dk1"/>
-              </a:buClr>
-              <a:buSzPts val="1200"/>
-              <a:buFont typeface="Noto Sans Symbols"/>
-              <a:buNone/>
-            </a:pPr>
-            <a:r>
-              <a:rPr lang="en-US" u="none" dirty="0" err="1">
-                <a:highlight>
-                  <a:srgbClr val="FFFF00"/>
-                </a:highlight>
-              </a:rPr>
-              <a:t>R_style</a:t>
-            </a:r>
-            <a:r>
-              <a:rPr lang="en-US" u="none" dirty="0">
-                <a:highlight>
-                  <a:srgbClr val="FFFF00"/>
-                </a:highlight>
-              </a:rPr>
-              <a:t> : </a:t>
-            </a:r>
-            <a:r>
-              <a:rPr lang="en-US" altLang="ko-KR" dirty="0">
-                <a:highlight>
-                  <a:srgbClr val="FFFF00"/>
-                </a:highlight>
-                <a:hlinkClick r:id="rId3"/>
-              </a:rPr>
-              <a:t>https://www.statsmodels.org/dev/example_formulas.html</a:t>
-            </a:r>
-            <a:endParaRPr lang="en-US" altLang="ko-KR" dirty="0">
-              <a:highlight>
-                <a:srgbClr val="FFFF00"/>
-              </a:highlight>
-            </a:endParaRPr>
-          </a:p>
-          <a:p>
-            <a:pPr marL="0" lvl="0" indent="0" algn="l" rtl="0">
-              <a:lnSpc>
-                <a:spcPct val="100000"/>
-              </a:lnSpc>
-              <a:spcBef>
-                <a:spcPts val="0"/>
-              </a:spcBef>
-              <a:spcAft>
-                <a:spcPts val="0"/>
-              </a:spcAft>
-              <a:buClr>
-                <a:schemeClr val="dk1"/>
-              </a:buClr>
-              <a:buSzPts val="1200"/>
-              <a:buFont typeface="Noto Sans Symbols"/>
-              <a:buNone/>
-            </a:pPr>
-            <a:r>
-              <a:rPr lang="en-US" u="none" dirty="0" err="1">
-                <a:highlight>
-                  <a:srgbClr val="FFFF00"/>
-                </a:highlight>
-              </a:rPr>
-              <a:t>Python_style</a:t>
-            </a:r>
-            <a:r>
-              <a:rPr lang="en-US" u="none" dirty="0">
-                <a:highlight>
-                  <a:srgbClr val="FFFF00"/>
-                </a:highlight>
-              </a:rPr>
-              <a:t> : </a:t>
-            </a:r>
-            <a:r>
-              <a:rPr lang="en-US" altLang="ko-KR" dirty="0">
-                <a:hlinkClick r:id="rId4"/>
-              </a:rPr>
-              <a:t>https://www.statsmodels.org/devel/generated/statsmodels.regression.linear_model.OLS.html</a:t>
-            </a:r>
-            <a:endParaRPr u="none" dirty="0">
-              <a:highlight>
-                <a:srgbClr val="FFFF00"/>
-              </a:highlight>
-            </a:endParaRPr>
-          </a:p>
-        </p:txBody>
-      </p:sp>
-      <p:sp>
-        <p:nvSpPr>
-          <p:cNvPr id="27" name="Google Shape;27;p2:notes"/>
-          <p:cNvSpPr txBox="1">
-            <a:spLocks noGrp="1"/>
-          </p:cNvSpPr>
-          <p:nvPr>
-            <p:ph type="sldNum" idx="12"/>
-          </p:nvPr>
-        </p:nvSpPr>
-        <p:spPr>
-          <a:xfrm>
-            <a:off x="3884613" y="8685213"/>
-            <a:ext cx="2971800" cy="458787"/>
-          </a:xfrm>
-          <a:prstGeom prst="rect">
-            <a:avLst/>
-          </a:prstGeom>
-          <a:noFill/>
-          <a:ln>
-            <a:noFill/>
-          </a:ln>
-        </p:spPr>
-        <p:txBody>
-          <a:bodyPr spcFirstLastPara="1" wrap="square" lIns="91425" tIns="45700" rIns="91425" bIns="45700" anchor="b" anchorCtr="0">
-            <a:noAutofit/>
-          </a:bodyPr>
-          <a:lstStyle/>
-          <a:p>
-            <a:pPr marL="0" lvl="0" indent="0" algn="r" rtl="0">
-              <a:spcBef>
-                <a:spcPts val="0"/>
-              </a:spcBef>
-              <a:spcAft>
-                <a:spcPts val="0"/>
-              </a:spcAft>
-              <a:buNone/>
-            </a:pPr>
-            <a:fld id="{00000000-1234-1234-1234-123412341234}" type="slidenum">
-              <a:rPr lang="en-US" altLang="ko-KR"/>
-              <a:t>3</a:t>
-            </a:fld>
-            <a:endParaRPr/>
-          </a:p>
-        </p:txBody>
-      </p:sp>
-    </p:spTree>
-    <p:extLst>
-      <p:ext uri="{BB962C8B-B14F-4D97-AF65-F5344CB8AC3E}">
-        <p14:creationId xmlns:p14="http://schemas.microsoft.com/office/powerpoint/2010/main" val="3772620882"/>
-      </p:ext>
-    </p:extLst>
-  </p:cSld>
-  <p:clrMapOvr>
-    <a:masterClrMapping/>
-  </p:clrMapOvr>
-</p:notes>
-</file>
-
-<file path=ppt/notesSlides/notesSlide4.xml><?xml version="1.0" encoding="utf-8"?>
-<p:notes xmlns:a="http://schemas.openxmlformats.org/drawingml/2006/main" xmlns:r="http://schemas.openxmlformats.org/officeDocument/2006/relationships" xmlns:p="http://schemas.openxmlformats.org/presentationml/2006/main" showMasterSp="0" showMasterPhAnim="0">
-  <p:cSld>
-    <p:spTree>
-      <p:nvGrpSpPr>
-        <p:cNvPr id="1" name="Shape 24"/>
-        <p:cNvGrpSpPr/>
-        <p:nvPr/>
-      </p:nvGrpSpPr>
-      <p:grpSpPr>
-        <a:xfrm>
-          <a:off x="0" y="0"/>
-          <a:ext cx="0" cy="0"/>
-          <a:chOff x="0" y="0"/>
-          <a:chExt cx="0" cy="0"/>
-        </a:xfrm>
-      </p:grpSpPr>
-      <p:sp>
-        <p:nvSpPr>
-          <p:cNvPr id="25" name="Google Shape;25;p2:notes"/>
-          <p:cNvSpPr>
-            <a:spLocks noGrp="1" noRot="1" noChangeAspect="1"/>
-          </p:cNvSpPr>
-          <p:nvPr>
-            <p:ph type="sldImg" idx="2"/>
-          </p:nvPr>
-        </p:nvSpPr>
-        <p:spPr>
-          <a:xfrm>
-            <a:off x="1200150" y="1143000"/>
-            <a:ext cx="4457700" cy="3086100"/>
-          </a:xfrm>
-          <a:custGeom>
-            <a:avLst/>
-            <a:gdLst/>
-            <a:ahLst/>
-            <a:cxnLst/>
-            <a:rect l="l" t="t" r="r" b="b"/>
-            <a:pathLst>
-              <a:path w="120000" h="120000" extrusionOk="0">
-                <a:moveTo>
-                  <a:pt x="0" y="0"/>
-                </a:moveTo>
-                <a:lnTo>
-                  <a:pt x="120000" y="0"/>
-                </a:lnTo>
-                <a:lnTo>
-                  <a:pt x="120000" y="120000"/>
-                </a:lnTo>
-                <a:lnTo>
-                  <a:pt x="0" y="120000"/>
-                </a:lnTo>
-                <a:close/>
-              </a:path>
-            </a:pathLst>
-          </a:custGeom>
-          <a:noFill/>
-          <a:ln w="12700" cap="flat" cmpd="sng">
-            <a:solidFill>
-              <a:srgbClr val="000000"/>
-            </a:solidFill>
-            <a:prstDash val="solid"/>
-            <a:round/>
-            <a:headEnd type="none" w="sm" len="sm"/>
-            <a:tailEnd type="none" w="sm" len="sm"/>
-          </a:ln>
-        </p:spPr>
-      </p:sp>
-      <p:sp>
-        <p:nvSpPr>
-          <p:cNvPr id="26" name="Google Shape;26;p2:notes"/>
-          <p:cNvSpPr txBox="1">
-            <a:spLocks noGrp="1"/>
-          </p:cNvSpPr>
-          <p:nvPr>
-            <p:ph type="body" idx="1"/>
-          </p:nvPr>
-        </p:nvSpPr>
-        <p:spPr>
-          <a:xfrm>
-            <a:off x="685800" y="4400550"/>
-            <a:ext cx="5486400" cy="3600450"/>
-          </a:xfrm>
-          <a:prstGeom prst="rect">
-            <a:avLst/>
-          </a:prstGeom>
-          <a:noFill/>
-          <a:ln>
-            <a:noFill/>
-          </a:ln>
-        </p:spPr>
-        <p:txBody>
-          <a:bodyPr spcFirstLastPara="1" wrap="square" lIns="91425" tIns="45700" rIns="91425" bIns="45700" anchor="t" anchorCtr="0">
-            <a:noAutofit/>
-          </a:bodyPr>
-          <a:lstStyle/>
-          <a:p>
-            <a:pPr marL="0" lvl="0" indent="0" algn="l" rtl="0">
-              <a:lnSpc>
-                <a:spcPct val="100000"/>
-              </a:lnSpc>
-              <a:spcBef>
-                <a:spcPts val="0"/>
-              </a:spcBef>
-              <a:spcAft>
-                <a:spcPts val="0"/>
-              </a:spcAft>
-              <a:buClr>
-                <a:schemeClr val="dk1"/>
-              </a:buClr>
-              <a:buSzPts val="1200"/>
-              <a:buFont typeface="Noto Sans Symbols"/>
-              <a:buNone/>
-            </a:pPr>
-            <a:r>
-              <a:rPr lang="en-US" u="none" dirty="0" err="1">
-                <a:highlight>
-                  <a:srgbClr val="FFFF00"/>
-                </a:highlight>
-              </a:rPr>
-              <a:t>R_style</a:t>
-            </a:r>
-            <a:r>
-              <a:rPr lang="en-US" u="none" dirty="0">
-                <a:highlight>
-                  <a:srgbClr val="FFFF00"/>
-                </a:highlight>
-              </a:rPr>
-              <a:t> : </a:t>
-            </a:r>
-            <a:r>
-              <a:rPr lang="en-US" altLang="ko-KR" dirty="0">
-                <a:highlight>
-                  <a:srgbClr val="FFFF00"/>
-                </a:highlight>
-                <a:hlinkClick r:id="rId3"/>
-              </a:rPr>
-              <a:t>https://www.statsmodels.org/dev/example_formulas.html</a:t>
-            </a:r>
-            <a:endParaRPr lang="en-US" altLang="ko-KR" dirty="0">
-              <a:highlight>
-                <a:srgbClr val="FFFF00"/>
-              </a:highlight>
-            </a:endParaRPr>
-          </a:p>
-          <a:p>
-            <a:pPr marL="0" lvl="0" indent="0" algn="l" rtl="0">
-              <a:lnSpc>
-                <a:spcPct val="100000"/>
-              </a:lnSpc>
-              <a:spcBef>
-                <a:spcPts val="0"/>
-              </a:spcBef>
-              <a:spcAft>
-                <a:spcPts val="0"/>
-              </a:spcAft>
-              <a:buClr>
-                <a:schemeClr val="dk1"/>
-              </a:buClr>
-              <a:buSzPts val="1200"/>
-              <a:buFont typeface="Noto Sans Symbols"/>
-              <a:buNone/>
-            </a:pPr>
-            <a:r>
-              <a:rPr lang="en-US" u="none" dirty="0" err="1">
-                <a:highlight>
-                  <a:srgbClr val="FFFF00"/>
-                </a:highlight>
-              </a:rPr>
-              <a:t>Python_style</a:t>
-            </a:r>
-            <a:r>
-              <a:rPr lang="en-US" u="none" dirty="0">
-                <a:highlight>
-                  <a:srgbClr val="FFFF00"/>
-                </a:highlight>
-              </a:rPr>
-              <a:t> : </a:t>
-            </a:r>
-            <a:r>
-              <a:rPr lang="en-US" altLang="ko-KR" dirty="0">
-                <a:hlinkClick r:id="rId4"/>
-              </a:rPr>
-              <a:t>https://www.statsmodels.org/devel/generated/statsmodels.regression.linear_model.OLS.html</a:t>
-            </a:r>
-            <a:endParaRPr u="none" dirty="0">
-              <a:highlight>
-                <a:srgbClr val="FFFF00"/>
-              </a:highlight>
-            </a:endParaRPr>
-          </a:p>
-        </p:txBody>
-      </p:sp>
-      <p:sp>
-        <p:nvSpPr>
-          <p:cNvPr id="27" name="Google Shape;27;p2:notes"/>
-          <p:cNvSpPr txBox="1">
-            <a:spLocks noGrp="1"/>
-          </p:cNvSpPr>
-          <p:nvPr>
-            <p:ph type="sldNum" idx="12"/>
-          </p:nvPr>
-        </p:nvSpPr>
-        <p:spPr>
-          <a:xfrm>
-            <a:off x="3884613" y="8685213"/>
-            <a:ext cx="2971800" cy="458787"/>
-          </a:xfrm>
-          <a:prstGeom prst="rect">
-            <a:avLst/>
-          </a:prstGeom>
-          <a:noFill/>
-          <a:ln>
-            <a:noFill/>
-          </a:ln>
-        </p:spPr>
-        <p:txBody>
-          <a:bodyPr spcFirstLastPara="1" wrap="square" lIns="91425" tIns="45700" rIns="91425" bIns="45700" anchor="b" anchorCtr="0">
-            <a:noAutofit/>
-          </a:bodyPr>
-          <a:lstStyle/>
-          <a:p>
-            <a:pPr marL="0" lvl="0" indent="0" algn="r" rtl="0">
-              <a:spcBef>
-                <a:spcPts val="0"/>
-              </a:spcBef>
-              <a:spcAft>
-                <a:spcPts val="0"/>
-              </a:spcAft>
-              <a:buNone/>
-            </a:pPr>
-            <a:fld id="{00000000-1234-1234-1234-123412341234}" type="slidenum">
-              <a:rPr lang="en-US" altLang="ko-KR"/>
-              <a:t>4</a:t>
-            </a:fld>
-            <a:endParaRPr/>
-          </a:p>
-        </p:txBody>
-      </p:sp>
-    </p:spTree>
-    <p:extLst>
-      <p:ext uri="{BB962C8B-B14F-4D97-AF65-F5344CB8AC3E}">
-        <p14:creationId xmlns:p14="http://schemas.microsoft.com/office/powerpoint/2010/main" val="3521474197"/>
+        <p14:creationId xmlns:p14="http://schemas.microsoft.com/office/powerpoint/2010/main" val="1581120227"/>
       </p:ext>
     </p:extLst>
   </p:cSld>
@@ -4699,7 +4059,7 @@
         <p:spPr>
           <a:xfrm>
             <a:off x="-1" y="742858"/>
-            <a:ext cx="9906000" cy="3170099"/>
+            <a:ext cx="9906000" cy="3354765"/>
           </a:xfrm>
           <a:prstGeom prst="rect">
             <a:avLst/>
@@ -4714,21 +4074,58 @@
           <a:p>
             <a:r>
               <a:rPr lang="ko-KR" altLang="en-US" sz="2000" b="1" dirty="0"/>
-              <a:t>다중회귀분석</a:t>
+              <a:t>회귀에서의 요인 변수</a:t>
             </a:r>
             <a:endParaRPr lang="en-US" altLang="ko-KR" sz="2000" b="1" dirty="0"/>
           </a:p>
           <a:p>
-            <a:endParaRPr lang="en-US" altLang="ko-KR" sz="2000" b="1" dirty="0"/>
+            <a:endParaRPr lang="en-US" altLang="ko-KR" sz="2000" b="1" dirty="0">
+              <a:highlight>
+                <a:srgbClr val="FFFF00"/>
+              </a:highlight>
+            </a:endParaRPr>
           </a:p>
           <a:p>
-            <a:endParaRPr lang="en-US" altLang="ko-KR" sz="2000" b="1" dirty="0"/>
+            <a:pPr marL="285750" indent="-285750">
+              <a:buFont typeface="Arial" panose="020B0604020202020204" pitchFamily="34" charset="0"/>
+              <a:buChar char="•"/>
+            </a:pPr>
+            <a:r>
+              <a:rPr lang="ko-KR" altLang="en-US" sz="2000" b="1" dirty="0"/>
+              <a:t>회귀 모형에서 범주형 데이터를</a:t>
+            </a:r>
+            <a:r>
+              <a:rPr lang="en-US" altLang="ko-KR" sz="2000" b="1" dirty="0"/>
+              <a:t> </a:t>
+            </a:r>
+            <a:r>
+              <a:rPr lang="ko-KR" altLang="en-US" sz="2000" b="1" dirty="0" err="1"/>
+              <a:t>가변수</a:t>
+            </a:r>
+            <a:r>
+              <a:rPr lang="en-US" altLang="ko-KR" sz="2000" b="1" dirty="0"/>
+              <a:t>(dummy variables)</a:t>
+            </a:r>
+            <a:r>
+              <a:rPr lang="ko-KR" altLang="en-US" sz="2000" b="1" dirty="0"/>
+              <a:t>라는 것을 활용하여 회귀 모형에 범주형 데이터를 추가할 수 있다</a:t>
+            </a:r>
+            <a:r>
+              <a:rPr lang="en-US" altLang="ko-KR" sz="2000" b="1" dirty="0"/>
+              <a:t>.</a:t>
+            </a:r>
+            <a:endParaRPr lang="en-US" altLang="ko-KR" sz="3200" b="1" dirty="0">
+              <a:highlight>
+                <a:srgbClr val="FFFF00"/>
+              </a:highlight>
+            </a:endParaRPr>
           </a:p>
           <a:p>
-            <a:endParaRPr lang="en-US" altLang="ko-KR" sz="2000" b="1" dirty="0"/>
-          </a:p>
-          <a:p>
-            <a:endParaRPr lang="en-US" altLang="ko-KR" sz="2000" b="1" dirty="0"/>
+            <a:pPr marL="342900" indent="-342900">
+              <a:buFont typeface="Arial" panose="020B0604020202020204" pitchFamily="34" charset="0"/>
+              <a:buChar char="•"/>
+            </a:pPr>
+            <a:endParaRPr lang="en-US" altLang="ko-KR" sz="3200" b="1" dirty="0"/>
           </a:p>
           <a:p>
             <a:endParaRPr lang="en-US" altLang="ko-KR" sz="2000" b="1" dirty="0"/>
@@ -4747,265 +4144,12 @@
           </a:p>
         </p:txBody>
       </p:sp>
-      <p:sp>
-        <p:nvSpPr>
-          <p:cNvPr id="2" name="사각형: 둥근 모서리 1">
+      <p:pic>
+        <p:nvPicPr>
+          <p:cNvPr id="6" name="그림 5">
             <a:extLst>
               <a:ext uri="{FF2B5EF4-FFF2-40B4-BE49-F238E27FC236}">
-                <a16:creationId xmlns:a16="http://schemas.microsoft.com/office/drawing/2014/main" id="{4711E09D-F629-4427-B7A0-0EBFD149C0A4}"/>
-              </a:ext>
-            </a:extLst>
-          </p:cNvPr>
-          <p:cNvSpPr/>
-          <p:nvPr/>
-        </p:nvSpPr>
-        <p:spPr>
-          <a:xfrm>
-            <a:off x="326296" y="1233144"/>
-            <a:ext cx="9253406" cy="3439064"/>
-          </a:xfrm>
-          <a:prstGeom prst="roundRect">
-            <a:avLst/>
-          </a:prstGeom>
-          <a:solidFill>
-            <a:schemeClr val="accent4">
-              <a:lumMod val="40000"/>
-              <a:lumOff val="60000"/>
-            </a:schemeClr>
-          </a:solidFill>
-          <a:ln>
-            <a:noFill/>
-          </a:ln>
-        </p:spPr>
-        <p:style>
-          <a:lnRef idx="2">
-            <a:schemeClr val="accent1">
-              <a:shade val="50000"/>
-            </a:schemeClr>
-          </a:lnRef>
-          <a:fillRef idx="1">
-            <a:schemeClr val="accent1"/>
-          </a:fillRef>
-          <a:effectRef idx="0">
-            <a:schemeClr val="accent1"/>
-          </a:effectRef>
-          <a:fontRef idx="minor">
-            <a:schemeClr val="lt1"/>
-          </a:fontRef>
-        </p:style>
-        <p:txBody>
-          <a:bodyPr rtlCol="0" anchor="ctr"/>
-          <a:lstStyle/>
-          <a:p>
-            <a:pPr marL="285750" indent="-285750">
-              <a:lnSpc>
-                <a:spcPct val="150000"/>
-              </a:lnSpc>
-              <a:buFont typeface="Arial" panose="020B0604020202020204" pitchFamily="34" charset="0"/>
-              <a:buChar char="•"/>
-            </a:pPr>
-            <a:r>
-              <a:rPr lang="ko-KR" altLang="en-US" sz="1800" b="1" dirty="0">
-                <a:solidFill>
-                  <a:schemeClr val="tx1"/>
-                </a:solidFill>
-              </a:rPr>
-              <a:t>독립변수가 </a:t>
-            </a:r>
-            <a:r>
-              <a:rPr lang="en-US" altLang="ko-KR" sz="1800" b="1" dirty="0">
-                <a:solidFill>
-                  <a:schemeClr val="tx1"/>
-                </a:solidFill>
-              </a:rPr>
-              <a:t>2</a:t>
-            </a:r>
-            <a:r>
-              <a:rPr lang="ko-KR" altLang="en-US" sz="1800" b="1" dirty="0">
-                <a:solidFill>
-                  <a:schemeClr val="tx1"/>
-                </a:solidFill>
-              </a:rPr>
-              <a:t>개 이상인 회귀분석</a:t>
-            </a:r>
-            <a:endParaRPr lang="en-US" altLang="ko-KR" sz="1800" b="1" dirty="0">
-              <a:solidFill>
-                <a:schemeClr val="tx1"/>
-              </a:solidFill>
-            </a:endParaRPr>
-          </a:p>
-          <a:p>
-            <a:pPr marL="285750" indent="-285750">
-              <a:lnSpc>
-                <a:spcPct val="150000"/>
-              </a:lnSpc>
-              <a:buFont typeface="Arial" panose="020B0604020202020204" pitchFamily="34" charset="0"/>
-              <a:buChar char="•"/>
-            </a:pPr>
-            <a:r>
-              <a:rPr lang="ko-KR" altLang="en-US" sz="1800" b="1" dirty="0">
-                <a:solidFill>
-                  <a:schemeClr val="tx1"/>
-                </a:solidFill>
-              </a:rPr>
-              <a:t>다중회귀 분석에서 독립변수 개수가 많을 경우 적절한 회귀모형 선택이 필요함</a:t>
-            </a:r>
-            <a:endParaRPr lang="en-US" altLang="ko-KR" sz="1800" b="1" dirty="0">
-              <a:solidFill>
-                <a:schemeClr val="tx1"/>
-              </a:solidFill>
-            </a:endParaRPr>
-          </a:p>
-          <a:p>
-            <a:pPr>
-              <a:lnSpc>
-                <a:spcPct val="150000"/>
-              </a:lnSpc>
-            </a:pPr>
-            <a:r>
-              <a:rPr lang="ko-KR" altLang="en-US" sz="1800" b="1" dirty="0">
-                <a:solidFill>
-                  <a:schemeClr val="tx1"/>
-                </a:solidFill>
-              </a:rPr>
-              <a:t>회귀모형에 포함되는 예측변수의 선정 기준</a:t>
-            </a:r>
-            <a:endParaRPr lang="en-US" altLang="ko-KR" sz="1800" b="1" dirty="0">
-              <a:solidFill>
-                <a:schemeClr val="tx1"/>
-              </a:solidFill>
-            </a:endParaRPr>
-          </a:p>
-          <a:p>
-            <a:pPr>
-              <a:lnSpc>
-                <a:spcPct val="150000"/>
-              </a:lnSpc>
-            </a:pPr>
-            <a:r>
-              <a:rPr lang="en-US" altLang="ko-KR" sz="1800" b="1" dirty="0">
-                <a:solidFill>
-                  <a:schemeClr val="tx1"/>
-                </a:solidFill>
-              </a:rPr>
-              <a:t>1 </a:t>
-            </a:r>
-            <a:r>
-              <a:rPr lang="ko-KR" altLang="en-US" sz="1800" b="1" dirty="0">
-                <a:solidFill>
-                  <a:schemeClr val="tx1"/>
-                </a:solidFill>
-              </a:rPr>
-              <a:t>종속변수와 높은 상관관계</a:t>
-            </a:r>
-            <a:endParaRPr lang="en-US" altLang="ko-KR" sz="1800" b="1" dirty="0">
-              <a:solidFill>
-                <a:schemeClr val="tx1"/>
-              </a:solidFill>
-            </a:endParaRPr>
-          </a:p>
-          <a:p>
-            <a:pPr>
-              <a:lnSpc>
-                <a:spcPct val="150000"/>
-              </a:lnSpc>
-            </a:pPr>
-            <a:r>
-              <a:rPr lang="en-US" altLang="ko-KR" sz="1800" b="1" dirty="0">
-                <a:solidFill>
-                  <a:schemeClr val="tx1"/>
-                </a:solidFill>
-              </a:rPr>
-              <a:t>2 </a:t>
-            </a:r>
-            <a:r>
-              <a:rPr lang="ko-KR" altLang="en-US" sz="1800" b="1" dirty="0">
-                <a:solidFill>
-                  <a:schemeClr val="tx1"/>
-                </a:solidFill>
-              </a:rPr>
-              <a:t>선택된 독립변수들은 서로 낮은 상관관계를 보임</a:t>
-            </a:r>
-            <a:r>
-              <a:rPr lang="en-US" altLang="ko-KR" sz="1800" b="1" dirty="0">
-                <a:solidFill>
-                  <a:schemeClr val="tx1"/>
-                </a:solidFill>
-              </a:rPr>
-              <a:t>(</a:t>
-            </a:r>
-            <a:r>
-              <a:rPr lang="ko-KR" altLang="en-US" sz="1800" b="1" dirty="0" err="1">
-                <a:solidFill>
-                  <a:schemeClr val="tx1"/>
-                </a:solidFill>
-              </a:rPr>
-              <a:t>다중공선성</a:t>
-            </a:r>
-            <a:r>
-              <a:rPr lang="ko-KR" altLang="en-US" sz="1800" b="1" dirty="0">
-                <a:solidFill>
-                  <a:schemeClr val="tx1"/>
-                </a:solidFill>
-              </a:rPr>
-              <a:t> 문제를 회피</a:t>
-            </a:r>
-            <a:r>
-              <a:rPr lang="en-US" altLang="ko-KR" sz="1800" b="1" dirty="0">
-                <a:solidFill>
-                  <a:schemeClr val="tx1"/>
-                </a:solidFill>
-              </a:rPr>
-              <a:t>)</a:t>
-            </a:r>
-          </a:p>
-          <a:p>
-            <a:pPr>
-              <a:lnSpc>
-                <a:spcPct val="150000"/>
-              </a:lnSpc>
-            </a:pPr>
-            <a:r>
-              <a:rPr lang="en-US" altLang="ko-KR" sz="1800" b="1" dirty="0">
-                <a:solidFill>
-                  <a:schemeClr val="tx1"/>
-                </a:solidFill>
-              </a:rPr>
-              <a:t>3 </a:t>
-            </a:r>
-            <a:r>
-              <a:rPr lang="ko-KR" altLang="en-US" sz="1800" b="1" dirty="0">
-                <a:solidFill>
-                  <a:schemeClr val="tx1"/>
-                </a:solidFill>
-              </a:rPr>
-              <a:t>예측변수의 개수는 적을수록 유리</a:t>
-            </a:r>
-            <a:endParaRPr lang="en-US" altLang="ko-KR" sz="1800" b="1" dirty="0">
-              <a:solidFill>
-                <a:schemeClr val="tx1"/>
-              </a:solidFill>
-            </a:endParaRPr>
-          </a:p>
-          <a:p>
-            <a:pPr marL="285750" indent="-285750">
-              <a:buFont typeface="Arial" panose="020B0604020202020204" pitchFamily="34" charset="0"/>
-              <a:buChar char="•"/>
-            </a:pPr>
-            <a:endParaRPr lang="en-US" altLang="ko-KR" sz="1800" b="1" dirty="0">
-              <a:solidFill>
-                <a:schemeClr val="tx1"/>
-              </a:solidFill>
-            </a:endParaRPr>
-          </a:p>
-        </p:txBody>
-      </p:sp>
-      <p:pic>
-        <p:nvPicPr>
-          <p:cNvPr id="3" name="그림 2">
-            <a:extLst>
-              <a:ext uri="{FF2B5EF4-FFF2-40B4-BE49-F238E27FC236}">
-                <a16:creationId xmlns:a16="http://schemas.microsoft.com/office/drawing/2014/main" id="{0A42C9B8-23B5-4B58-A613-45A83D827B2D}"/>
+                <a16:creationId xmlns:a16="http://schemas.microsoft.com/office/drawing/2014/main" id="{A51258E1-5617-4607-85B3-D602DC882B51}"/>
               </a:ext>
             </a:extLst>
           </p:cNvPr>
@@ -5022,8 +4166,8 @@
         </p:blipFill>
         <p:spPr>
           <a:xfrm>
-            <a:off x="0" y="1426373"/>
-            <a:ext cx="9906000" cy="4005254"/>
+            <a:off x="5924776" y="2480382"/>
+            <a:ext cx="3439005" cy="3667637"/>
           </a:xfrm>
           <a:prstGeom prst="rect">
             <a:avLst/>
@@ -5032,10 +4176,10 @@
       </p:pic>
       <p:pic>
         <p:nvPicPr>
-          <p:cNvPr id="4" name="그림 3">
+          <p:cNvPr id="7" name="그림 6">
             <a:extLst>
               <a:ext uri="{FF2B5EF4-FFF2-40B4-BE49-F238E27FC236}">
-                <a16:creationId xmlns:a16="http://schemas.microsoft.com/office/drawing/2014/main" id="{A5D0A691-63BE-4A48-A1F1-0214D1971BF3}"/>
+                <a16:creationId xmlns:a16="http://schemas.microsoft.com/office/drawing/2014/main" id="{14151340-D735-4060-A3F9-A57B0FCF6141}"/>
               </a:ext>
             </a:extLst>
           </p:cNvPr>
@@ -5052,8 +4196,8 @@
         </p:blipFill>
         <p:spPr>
           <a:xfrm>
-            <a:off x="3190629" y="3138447"/>
-            <a:ext cx="3524742" cy="581106"/>
+            <a:off x="278116" y="3512847"/>
+            <a:ext cx="5313529" cy="1101350"/>
           </a:xfrm>
           <a:prstGeom prst="rect">
             <a:avLst/>
@@ -5202,50 +4346,12 @@
           </a:p>
         </p:txBody>
       </p:sp>
-      <p:sp>
-        <p:nvSpPr>
-          <p:cNvPr id="8" name="TextBox 7">
-            <a:extLst>
-              <a:ext uri="{FF2B5EF4-FFF2-40B4-BE49-F238E27FC236}">
-                <a16:creationId xmlns:a16="http://schemas.microsoft.com/office/drawing/2014/main" id="{53CACBD9-B236-4E1B-9525-3B3376922A2B}"/>
-              </a:ext>
-            </a:extLst>
-          </p:cNvPr>
-          <p:cNvSpPr txBox="1"/>
-          <p:nvPr/>
-        </p:nvSpPr>
-        <p:spPr>
-          <a:xfrm>
-            <a:off x="-1" y="742858"/>
-            <a:ext cx="9906000" cy="1015663"/>
-          </a:xfrm>
-          <a:prstGeom prst="rect">
-            <a:avLst/>
-          </a:prstGeom>
-          <a:noFill/>
-        </p:spPr>
-        <p:txBody>
-          <a:bodyPr wrap="square" rtlCol="0">
-            <a:spAutoFit/>
-          </a:bodyPr>
-          <a:lstStyle/>
-          <a:p>
-            <a:endParaRPr lang="en-US" altLang="ko-KR" sz="2000" b="1" dirty="0"/>
-          </a:p>
-          <a:p>
-            <a:endParaRPr lang="en-US" altLang="ko-KR" sz="2000" b="1" dirty="0"/>
-          </a:p>
-          <a:p>
-            <a:endParaRPr lang="ko-KR" altLang="en-US" sz="2000" b="1" dirty="0"/>
-          </a:p>
-        </p:txBody>
-      </p:sp>
       <p:pic>
         <p:nvPicPr>
           <p:cNvPr id="2" name="그림 1">
             <a:extLst>
               <a:ext uri="{FF2B5EF4-FFF2-40B4-BE49-F238E27FC236}">
-                <a16:creationId xmlns:a16="http://schemas.microsoft.com/office/drawing/2014/main" id="{CA4A6137-57DF-4C17-B332-17A61E1BA9AB}"/>
+                <a16:creationId xmlns:a16="http://schemas.microsoft.com/office/drawing/2014/main" id="{B0333E8C-6F53-4334-ADDE-4E6AA5E849B1}"/>
               </a:ext>
             </a:extLst>
           </p:cNvPr>
@@ -5262,8 +4368,8 @@
         </p:blipFill>
         <p:spPr>
           <a:xfrm>
-            <a:off x="278116" y="843410"/>
-            <a:ext cx="4406618" cy="2457793"/>
+            <a:off x="193109" y="666532"/>
+            <a:ext cx="9519781" cy="642832"/>
           </a:xfrm>
           <a:prstGeom prst="rect">
             <a:avLst/>
@@ -5275,7 +4381,7 @@
           <p:cNvPr id="3" name="그림 2">
             <a:extLst>
               <a:ext uri="{FF2B5EF4-FFF2-40B4-BE49-F238E27FC236}">
-                <a16:creationId xmlns:a16="http://schemas.microsoft.com/office/drawing/2014/main" id="{34EC4570-DE44-4AA2-8551-C5EEEC0AF145}"/>
+                <a16:creationId xmlns:a16="http://schemas.microsoft.com/office/drawing/2014/main" id="{071452DB-1F80-43E8-A6EA-65CA95100D89}"/>
               </a:ext>
             </a:extLst>
           </p:cNvPr>
@@ -5292,98 +4398,8 @@
         </p:blipFill>
         <p:spPr>
           <a:xfrm>
-            <a:off x="5059914" y="843410"/>
-            <a:ext cx="4406619" cy="1133633"/>
-          </a:xfrm>
-          <a:prstGeom prst="rect">
-            <a:avLst/>
-          </a:prstGeom>
-        </p:spPr>
-      </p:pic>
-      <p:pic>
-        <p:nvPicPr>
-          <p:cNvPr id="4" name="그림 3">
-            <a:extLst>
-              <a:ext uri="{FF2B5EF4-FFF2-40B4-BE49-F238E27FC236}">
-                <a16:creationId xmlns:a16="http://schemas.microsoft.com/office/drawing/2014/main" id="{ED8FCD17-88C2-4D5A-9061-28BA187DA71B}"/>
-              </a:ext>
-            </a:extLst>
-          </p:cNvPr>
-          <p:cNvPicPr>
-            <a:picLocks noChangeAspect="1"/>
-          </p:cNvPicPr>
-          <p:nvPr/>
-        </p:nvPicPr>
-        <p:blipFill>
-          <a:blip r:embed="rId5"/>
-          <a:stretch>
-            <a:fillRect/>
-          </a:stretch>
-        </p:blipFill>
-        <p:spPr>
-          <a:xfrm>
-            <a:off x="278116" y="3429000"/>
-            <a:ext cx="3877216" cy="981212"/>
-          </a:xfrm>
-          <a:prstGeom prst="rect">
-            <a:avLst/>
-          </a:prstGeom>
-        </p:spPr>
-      </p:pic>
-      <p:pic>
-        <p:nvPicPr>
-          <p:cNvPr id="5" name="그림 4">
-            <a:extLst>
-              <a:ext uri="{FF2B5EF4-FFF2-40B4-BE49-F238E27FC236}">
-                <a16:creationId xmlns:a16="http://schemas.microsoft.com/office/drawing/2014/main" id="{3BDE80C4-3DFF-4CDB-9AA6-E664615EF79F}"/>
-              </a:ext>
-            </a:extLst>
-          </p:cNvPr>
-          <p:cNvPicPr>
-            <a:picLocks noChangeAspect="1"/>
-          </p:cNvPicPr>
-          <p:nvPr/>
-        </p:nvPicPr>
-        <p:blipFill>
-          <a:blip r:embed="rId6"/>
-          <a:stretch>
-            <a:fillRect/>
-          </a:stretch>
-        </p:blipFill>
-        <p:spPr>
-          <a:xfrm>
-            <a:off x="4733982" y="3348026"/>
-            <a:ext cx="5058481" cy="1143160"/>
-          </a:xfrm>
-          <a:prstGeom prst="rect">
-            <a:avLst/>
-          </a:prstGeom>
-        </p:spPr>
-      </p:pic>
-      <p:pic>
-        <p:nvPicPr>
-          <p:cNvPr id="9" name="그림 8">
-            <a:extLst>
-              <a:ext uri="{FF2B5EF4-FFF2-40B4-BE49-F238E27FC236}">
-                <a16:creationId xmlns:a16="http://schemas.microsoft.com/office/drawing/2014/main" id="{2840B98A-1B47-4F9B-95BD-3F9727B45042}"/>
-              </a:ext>
-            </a:extLst>
-          </p:cNvPr>
-          <p:cNvPicPr>
-            <a:picLocks noChangeAspect="1"/>
-          </p:cNvPicPr>
-          <p:nvPr/>
-        </p:nvPicPr>
-        <p:blipFill>
-          <a:blip r:embed="rId7"/>
-          <a:stretch>
-            <a:fillRect/>
-          </a:stretch>
-        </p:blipFill>
-        <p:spPr>
-          <a:xfrm>
-            <a:off x="1060843" y="4598570"/>
-            <a:ext cx="5115639" cy="2029108"/>
+            <a:off x="193109" y="1309363"/>
+            <a:ext cx="4759891" cy="5319233"/>
           </a:xfrm>
           <a:prstGeom prst="rect">
             <a:avLst/>
@@ -5392,10 +4408,10 @@
       </p:pic>
       <p:sp>
         <p:nvSpPr>
-          <p:cNvPr id="6" name="사각형: 둥근 모서리 5">
+          <p:cNvPr id="4" name="사각형: 둥근 모서리 3">
             <a:extLst>
               <a:ext uri="{FF2B5EF4-FFF2-40B4-BE49-F238E27FC236}">
-                <a16:creationId xmlns:a16="http://schemas.microsoft.com/office/drawing/2014/main" id="{A69EB607-1FE0-499E-9A49-453D1A790811}"/>
+                <a16:creationId xmlns:a16="http://schemas.microsoft.com/office/drawing/2014/main" id="{3E187B47-42E1-4BB3-97E4-D22E37F39F77}"/>
               </a:ext>
             </a:extLst>
           </p:cNvPr>
@@ -5404,18 +4420,21 @@
         </p:nvSpPr>
         <p:spPr>
           <a:xfrm>
-            <a:off x="4359058" y="843410"/>
-            <a:ext cx="374924" cy="389735"/>
+            <a:off x="4733266" y="1456630"/>
+            <a:ext cx="4979624" cy="5171966"/>
           </a:xfrm>
           <a:prstGeom prst="roundRect">
             <a:avLst/>
           </a:prstGeom>
           <a:solidFill>
-            <a:schemeClr val="accent1">
-              <a:lumMod val="60000"/>
-              <a:lumOff val="40000"/>
+            <a:schemeClr val="accent4">
+              <a:lumMod val="40000"/>
+              <a:lumOff val="60000"/>
             </a:schemeClr>
           </a:solidFill>
+          <a:ln>
+            <a:noFill/>
+          </a:ln>
         </p:spPr>
         <p:style>
           <a:lnRef idx="2">
@@ -5437,693 +4456,326 @@
           <a:bodyPr rtlCol="0" anchor="ctr"/>
           <a:lstStyle/>
           <a:p>
-            <a:pPr algn="ctr"/>
+            <a:pPr marL="285750" indent="-285750" algn="just">
+              <a:lnSpc>
+                <a:spcPct val="150000"/>
+              </a:lnSpc>
+              <a:buFont typeface="Arial" panose="020B0604020202020204" pitchFamily="34" charset="0"/>
+              <a:buChar char="•"/>
+            </a:pPr>
             <a:r>
-              <a:rPr lang="en-US" altLang="ko-KR" sz="2400" dirty="0"/>
-              <a:t>1</a:t>
+              <a:rPr lang="en-US" altLang="ko-KR" sz="1800" dirty="0">
+                <a:solidFill>
+                  <a:schemeClr val="tx1"/>
+                </a:solidFill>
+              </a:rPr>
+              <a:t>Neighborhood </a:t>
             </a:r>
-            <a:endParaRPr lang="ko-KR" altLang="en-US" sz="2400" dirty="0"/>
+            <a:r>
+              <a:rPr lang="ko-KR" altLang="en-US" sz="1800" dirty="0">
+                <a:solidFill>
+                  <a:schemeClr val="tx1"/>
+                </a:solidFill>
+              </a:rPr>
+              <a:t>가 </a:t>
+            </a:r>
+            <a:r>
+              <a:rPr lang="en-US" altLang="ko-KR" sz="1800" dirty="0">
+                <a:solidFill>
+                  <a:schemeClr val="tx1"/>
+                </a:solidFill>
+              </a:rPr>
+              <a:t>A</a:t>
+            </a:r>
+            <a:r>
+              <a:rPr lang="ko-KR" altLang="en-US" sz="1800" dirty="0">
+                <a:solidFill>
+                  <a:schemeClr val="tx1"/>
+                </a:solidFill>
+              </a:rPr>
+              <a:t>일 때의 평균 집값 </a:t>
+            </a:r>
+            <a:r>
+              <a:rPr lang="en-US" altLang="ko-KR" sz="1800" dirty="0">
+                <a:solidFill>
+                  <a:schemeClr val="tx1"/>
+                </a:solidFill>
+              </a:rPr>
+              <a:t>$541,000</a:t>
+            </a:r>
+            <a:r>
+              <a:rPr lang="ko-KR" altLang="en-US" sz="1800" dirty="0">
+                <a:solidFill>
+                  <a:schemeClr val="tx1"/>
+                </a:solidFill>
+              </a:rPr>
+              <a:t>이라는 뜻</a:t>
+            </a:r>
+            <a:endParaRPr lang="en-US" altLang="ko-KR" sz="1800" dirty="0">
+              <a:solidFill>
+                <a:schemeClr val="tx1"/>
+              </a:solidFill>
+            </a:endParaRPr>
           </a:p>
-        </p:txBody>
-      </p:sp>
-      <p:sp>
-        <p:nvSpPr>
-          <p:cNvPr id="11" name="사각형: 둥근 모서리 10">
-            <a:extLst>
-              <a:ext uri="{FF2B5EF4-FFF2-40B4-BE49-F238E27FC236}">
-                <a16:creationId xmlns:a16="http://schemas.microsoft.com/office/drawing/2014/main" id="{FDA959D1-3A48-4AFF-A17F-464A9463014B}"/>
-              </a:ext>
-            </a:extLst>
-          </p:cNvPr>
-          <p:cNvSpPr/>
-          <p:nvPr/>
-        </p:nvSpPr>
-        <p:spPr>
-          <a:xfrm>
-            <a:off x="9000954" y="1573858"/>
-            <a:ext cx="374924" cy="389735"/>
-          </a:xfrm>
-          <a:prstGeom prst="roundRect">
-            <a:avLst/>
-          </a:prstGeom>
-          <a:solidFill>
-            <a:schemeClr val="accent1">
-              <a:lumMod val="60000"/>
-              <a:lumOff val="40000"/>
-            </a:schemeClr>
-          </a:solidFill>
-        </p:spPr>
-        <p:style>
-          <a:lnRef idx="2">
-            <a:schemeClr val="accent1">
-              <a:shade val="50000"/>
-            </a:schemeClr>
-          </a:lnRef>
-          <a:fillRef idx="1">
-            <a:schemeClr val="accent1"/>
-          </a:fillRef>
-          <a:effectRef idx="0">
-            <a:schemeClr val="accent1"/>
-          </a:effectRef>
-          <a:fontRef idx="minor">
-            <a:schemeClr val="lt1"/>
-          </a:fontRef>
-        </p:style>
-        <p:txBody>
-          <a:bodyPr rtlCol="0" anchor="ctr"/>
-          <a:lstStyle/>
           <a:p>
-            <a:pPr algn="ctr"/>
+            <a:pPr marL="285750" indent="-285750" algn="just">
+              <a:lnSpc>
+                <a:spcPct val="150000"/>
+              </a:lnSpc>
+              <a:buFont typeface="Arial" panose="020B0604020202020204" pitchFamily="34" charset="0"/>
+              <a:buChar char="•"/>
+            </a:pPr>
             <a:r>
-              <a:rPr lang="en-US" altLang="ko-KR" sz="2400" dirty="0"/>
-              <a:t>2</a:t>
+              <a:rPr lang="en-US" altLang="ko-KR" sz="1800" dirty="0">
+                <a:solidFill>
+                  <a:schemeClr val="tx1"/>
+                </a:solidFill>
+              </a:rPr>
+              <a:t>B</a:t>
             </a:r>
-            <a:endParaRPr lang="ko-KR" altLang="en-US" sz="2400" dirty="0"/>
+            <a:r>
+              <a:rPr lang="ko-KR" altLang="en-US" sz="1800" dirty="0">
+                <a:solidFill>
+                  <a:schemeClr val="tx1"/>
+                </a:solidFill>
+              </a:rPr>
+              <a:t>일 때 </a:t>
+            </a:r>
+            <a:r>
+              <a:rPr lang="en-US" altLang="ko-KR" sz="1800" dirty="0">
+                <a:solidFill>
+                  <a:schemeClr val="tx1"/>
+                </a:solidFill>
+              </a:rPr>
+              <a:t>A</a:t>
+            </a:r>
+            <a:r>
+              <a:rPr lang="ko-KR" altLang="en-US" sz="1800" dirty="0">
+                <a:solidFill>
+                  <a:schemeClr val="tx1"/>
+                </a:solidFill>
+              </a:rPr>
+              <a:t>일 때보다 </a:t>
+            </a:r>
+            <a:r>
+              <a:rPr lang="en-US" altLang="ko-KR" sz="1800" dirty="0">
+                <a:solidFill>
+                  <a:schemeClr val="tx1"/>
+                </a:solidFill>
+              </a:rPr>
+              <a:t>$529,500 </a:t>
+            </a:r>
+            <a:r>
+              <a:rPr lang="ko-KR" altLang="en-US" sz="1800" dirty="0">
+                <a:solidFill>
+                  <a:schemeClr val="tx1"/>
+                </a:solidFill>
+              </a:rPr>
+              <a:t>높은 </a:t>
+            </a:r>
+            <a:r>
+              <a:rPr lang="en-US" altLang="ko-KR" sz="1800" dirty="0">
+                <a:solidFill>
+                  <a:schemeClr val="tx1"/>
+                </a:solidFill>
+              </a:rPr>
+              <a:t>$1,070,500</a:t>
+            </a:r>
           </a:p>
-        </p:txBody>
-      </p:sp>
-      <p:sp>
-        <p:nvSpPr>
-          <p:cNvPr id="12" name="사각형: 둥근 모서리 11">
-            <a:extLst>
-              <a:ext uri="{FF2B5EF4-FFF2-40B4-BE49-F238E27FC236}">
-                <a16:creationId xmlns:a16="http://schemas.microsoft.com/office/drawing/2014/main" id="{807C0119-820A-466B-976B-9C50C812EF31}"/>
-              </a:ext>
-            </a:extLst>
-          </p:cNvPr>
-          <p:cNvSpPr/>
-          <p:nvPr/>
-        </p:nvSpPr>
-        <p:spPr>
-          <a:xfrm>
-            <a:off x="3431200" y="3919606"/>
-            <a:ext cx="374924" cy="389735"/>
-          </a:xfrm>
-          <a:prstGeom prst="roundRect">
-            <a:avLst/>
-          </a:prstGeom>
-          <a:solidFill>
-            <a:schemeClr val="accent1">
-              <a:lumMod val="60000"/>
-              <a:lumOff val="40000"/>
-            </a:schemeClr>
-          </a:solidFill>
-        </p:spPr>
-        <p:style>
-          <a:lnRef idx="2">
-            <a:schemeClr val="accent1">
-              <a:shade val="50000"/>
-            </a:schemeClr>
-          </a:lnRef>
-          <a:fillRef idx="1">
-            <a:schemeClr val="accent1"/>
-          </a:fillRef>
-          <a:effectRef idx="0">
-            <a:schemeClr val="accent1"/>
-          </a:effectRef>
-          <a:fontRef idx="minor">
-            <a:schemeClr val="lt1"/>
-          </a:fontRef>
-        </p:style>
-        <p:txBody>
-          <a:bodyPr rtlCol="0" anchor="ctr"/>
-          <a:lstStyle/>
           <a:p>
-            <a:pPr algn="ctr"/>
+            <a:pPr marL="285750" indent="-285750" algn="just">
+              <a:lnSpc>
+                <a:spcPct val="150000"/>
+              </a:lnSpc>
+              <a:buFont typeface="Arial" panose="020B0604020202020204" pitchFamily="34" charset="0"/>
+              <a:buChar char="•"/>
+            </a:pPr>
             <a:r>
-              <a:rPr lang="en-US" altLang="ko-KR" sz="2400" dirty="0"/>
-              <a:t>3</a:t>
+              <a:rPr lang="en-US" altLang="ko-KR" sz="1800" dirty="0">
+                <a:solidFill>
+                  <a:schemeClr val="tx1"/>
+                </a:solidFill>
+              </a:rPr>
+              <a:t>C</a:t>
             </a:r>
-            <a:endParaRPr lang="ko-KR" altLang="en-US" sz="2400" dirty="0"/>
+            <a:r>
+              <a:rPr lang="ko-KR" altLang="en-US" sz="1800" dirty="0">
+                <a:solidFill>
+                  <a:schemeClr val="tx1"/>
+                </a:solidFill>
+              </a:rPr>
+              <a:t>일 때 </a:t>
+            </a:r>
+            <a:r>
+              <a:rPr lang="en-US" altLang="ko-KR" sz="1800" dirty="0">
+                <a:solidFill>
+                  <a:schemeClr val="tx1"/>
+                </a:solidFill>
+              </a:rPr>
+              <a:t>A</a:t>
+            </a:r>
+            <a:r>
+              <a:rPr lang="ko-KR" altLang="en-US" sz="1800" dirty="0">
+                <a:solidFill>
+                  <a:schemeClr val="tx1"/>
+                </a:solidFill>
+              </a:rPr>
+              <a:t>일</a:t>
+            </a:r>
+            <a:r>
+              <a:rPr lang="en-US" altLang="ko-KR" sz="1800" dirty="0">
+                <a:solidFill>
+                  <a:schemeClr val="tx1"/>
+                </a:solidFill>
+              </a:rPr>
+              <a:t> </a:t>
+            </a:r>
+            <a:r>
+              <a:rPr lang="ko-KR" altLang="en-US" sz="1800" dirty="0">
+                <a:solidFill>
+                  <a:schemeClr val="tx1"/>
+                </a:solidFill>
+              </a:rPr>
+              <a:t>때보다 </a:t>
+            </a:r>
+            <a:r>
+              <a:rPr lang="en-US" altLang="ko-KR" sz="1800" dirty="0">
+                <a:solidFill>
+                  <a:schemeClr val="tx1"/>
+                </a:solidFill>
+              </a:rPr>
+              <a:t>332</a:t>
+            </a:r>
+            <a:r>
+              <a:rPr lang="ko-KR" altLang="en-US" sz="1800" dirty="0">
+                <a:solidFill>
+                  <a:schemeClr val="tx1"/>
+                </a:solidFill>
+              </a:rPr>
+              <a:t>만큼 작은 </a:t>
+            </a:r>
+            <a:r>
+              <a:rPr lang="en-US" altLang="ko-KR" sz="1800" dirty="0">
+                <a:solidFill>
+                  <a:schemeClr val="tx1"/>
+                </a:solidFill>
+              </a:rPr>
+              <a:t>$540,668</a:t>
+            </a:r>
           </a:p>
-        </p:txBody>
-      </p:sp>
-      <p:sp>
-        <p:nvSpPr>
-          <p:cNvPr id="13" name="사각형: 둥근 모서리 12">
-            <a:extLst>
-              <a:ext uri="{FF2B5EF4-FFF2-40B4-BE49-F238E27FC236}">
-                <a16:creationId xmlns:a16="http://schemas.microsoft.com/office/drawing/2014/main" id="{950DEBD0-A1E5-44E7-953E-66932FF1A0FC}"/>
-              </a:ext>
-            </a:extLst>
-          </p:cNvPr>
-          <p:cNvSpPr/>
-          <p:nvPr/>
-        </p:nvSpPr>
-        <p:spPr>
-          <a:xfrm>
-            <a:off x="8626586" y="3240642"/>
-            <a:ext cx="374924" cy="389735"/>
-          </a:xfrm>
-          <a:prstGeom prst="roundRect">
-            <a:avLst/>
-          </a:prstGeom>
-          <a:solidFill>
-            <a:schemeClr val="accent1">
-              <a:lumMod val="60000"/>
-              <a:lumOff val="40000"/>
-            </a:schemeClr>
-          </a:solidFill>
-        </p:spPr>
-        <p:style>
-          <a:lnRef idx="2">
-            <a:schemeClr val="accent1">
-              <a:shade val="50000"/>
-            </a:schemeClr>
-          </a:lnRef>
-          <a:fillRef idx="1">
-            <a:schemeClr val="accent1"/>
-          </a:fillRef>
-          <a:effectRef idx="0">
-            <a:schemeClr val="accent1"/>
-          </a:effectRef>
-          <a:fontRef idx="minor">
-            <a:schemeClr val="lt1"/>
-          </a:fontRef>
-        </p:style>
-        <p:txBody>
-          <a:bodyPr rtlCol="0" anchor="ctr"/>
-          <a:lstStyle/>
           <a:p>
-            <a:pPr algn="ctr"/>
+            <a:pPr marL="285750" indent="-285750" algn="just">
+              <a:lnSpc>
+                <a:spcPct val="150000"/>
+              </a:lnSpc>
+              <a:buFont typeface="Arial" panose="020B0604020202020204" pitchFamily="34" charset="0"/>
+              <a:buChar char="•"/>
+            </a:pPr>
             <a:r>
-              <a:rPr lang="en-US" altLang="ko-KR" sz="2400" dirty="0"/>
-              <a:t>4</a:t>
+              <a:rPr lang="en-US" altLang="ko-KR" sz="1800" dirty="0">
+                <a:solidFill>
+                  <a:schemeClr val="tx1"/>
+                </a:solidFill>
+              </a:rPr>
+              <a:t>Baseline</a:t>
             </a:r>
-            <a:endParaRPr lang="ko-KR" altLang="en-US" sz="2400" dirty="0"/>
+            <a:r>
+              <a:rPr lang="ko-KR" altLang="en-US" sz="1800" dirty="0">
+                <a:solidFill>
+                  <a:schemeClr val="tx1"/>
+                </a:solidFill>
+              </a:rPr>
+              <a:t>과의 차이에 대한 가설검정은 </a:t>
+            </a:r>
+            <a:r>
+              <a:rPr lang="en-US" altLang="ko-KR" sz="1800" dirty="0">
+                <a:solidFill>
+                  <a:schemeClr val="tx1"/>
+                </a:solidFill>
+              </a:rPr>
+              <a:t>p-value</a:t>
+            </a:r>
           </a:p>
-        </p:txBody>
-      </p:sp>
-      <p:sp>
-        <p:nvSpPr>
-          <p:cNvPr id="14" name="사각형: 둥근 모서리 13">
-            <a:extLst>
-              <a:ext uri="{FF2B5EF4-FFF2-40B4-BE49-F238E27FC236}">
-                <a16:creationId xmlns:a16="http://schemas.microsoft.com/office/drawing/2014/main" id="{44A1983D-D8C2-4C0D-94FE-59EDD8DAE0A4}"/>
-              </a:ext>
-            </a:extLst>
-          </p:cNvPr>
-          <p:cNvSpPr/>
-          <p:nvPr/>
-        </p:nvSpPr>
-        <p:spPr>
-          <a:xfrm>
-            <a:off x="4765537" y="4622224"/>
-            <a:ext cx="374924" cy="389735"/>
-          </a:xfrm>
-          <a:prstGeom prst="roundRect">
-            <a:avLst/>
-          </a:prstGeom>
-          <a:solidFill>
-            <a:schemeClr val="accent1">
-              <a:lumMod val="60000"/>
-              <a:lumOff val="40000"/>
-            </a:schemeClr>
-          </a:solidFill>
-        </p:spPr>
-        <p:style>
-          <a:lnRef idx="2">
-            <a:schemeClr val="accent1">
-              <a:shade val="50000"/>
-            </a:schemeClr>
-          </a:lnRef>
-          <a:fillRef idx="1">
-            <a:schemeClr val="accent1"/>
-          </a:fillRef>
-          <a:effectRef idx="0">
-            <a:schemeClr val="accent1"/>
-          </a:effectRef>
-          <a:fontRef idx="minor">
-            <a:schemeClr val="lt1"/>
-          </a:fontRef>
-        </p:style>
-        <p:txBody>
-          <a:bodyPr rtlCol="0" anchor="ctr"/>
-          <a:lstStyle/>
           <a:p>
-            <a:pPr algn="ctr"/>
+            <a:pPr marL="285750" indent="-285750" algn="just">
+              <a:lnSpc>
+                <a:spcPct val="150000"/>
+              </a:lnSpc>
+              <a:buFont typeface="Arial" panose="020B0604020202020204" pitchFamily="34" charset="0"/>
+              <a:buChar char="•"/>
+            </a:pPr>
             <a:r>
-              <a:rPr lang="en-US" altLang="ko-KR" sz="2400" dirty="0"/>
-              <a:t>5</a:t>
+              <a:rPr lang="ko-KR" altLang="en-US" sz="1800" dirty="0" err="1">
+                <a:solidFill>
+                  <a:schemeClr val="tx1"/>
+                </a:solidFill>
+              </a:rPr>
+              <a:t>가변수끼리의</a:t>
             </a:r>
-            <a:endParaRPr lang="ko-KR" altLang="en-US" sz="2400" dirty="0"/>
+            <a:r>
+              <a:rPr lang="ko-KR" altLang="en-US" sz="1800" dirty="0">
+                <a:solidFill>
+                  <a:schemeClr val="tx1"/>
+                </a:solidFill>
+              </a:rPr>
+              <a:t> 차이가설검정은 신뢰구간</a:t>
+            </a:r>
+            <a:endParaRPr lang="en-US" altLang="ko-KR" sz="1800" dirty="0">
+              <a:solidFill>
+                <a:schemeClr val="tx1"/>
+              </a:solidFill>
+            </a:endParaRPr>
+          </a:p>
+          <a:p>
+            <a:pPr marL="285750" indent="-285750" algn="just">
+              <a:lnSpc>
+                <a:spcPct val="150000"/>
+              </a:lnSpc>
+              <a:buFont typeface="Arial" panose="020B0604020202020204" pitchFamily="34" charset="0"/>
+              <a:buChar char="•"/>
+            </a:pPr>
+            <a:endParaRPr lang="en-US" altLang="ko-KR" sz="1800" dirty="0">
+              <a:solidFill>
+                <a:schemeClr val="tx1"/>
+              </a:solidFill>
+            </a:endParaRPr>
+          </a:p>
+          <a:p>
+            <a:pPr marL="285750" indent="-285750" algn="just">
+              <a:lnSpc>
+                <a:spcPct val="150000"/>
+              </a:lnSpc>
+              <a:buFont typeface="Wingdings" panose="05000000000000000000" pitchFamily="2" charset="2"/>
+              <a:buChar char="ü"/>
+            </a:pPr>
+            <a:r>
+              <a:rPr lang="ko-KR" altLang="en-US" sz="1800" dirty="0">
+                <a:solidFill>
+                  <a:schemeClr val="tx1"/>
+                </a:solidFill>
+              </a:rPr>
+              <a:t>집값은 </a:t>
+            </a:r>
+            <a:r>
+              <a:rPr lang="en-US" altLang="ko-KR" sz="1800" dirty="0">
+                <a:solidFill>
+                  <a:schemeClr val="tx1"/>
+                </a:solidFill>
+              </a:rPr>
+              <a:t>B &gt; A &gt; C</a:t>
+            </a:r>
+            <a:endParaRPr lang="ko-KR" altLang="en-US" sz="1800" dirty="0">
+              <a:solidFill>
+                <a:schemeClr val="tx1"/>
+              </a:solidFill>
+            </a:endParaRPr>
           </a:p>
         </p:txBody>
       </p:sp>
     </p:spTree>
     <p:extLst>
       <p:ext uri="{BB962C8B-B14F-4D97-AF65-F5344CB8AC3E}">
-        <p14:creationId xmlns:p14="http://schemas.microsoft.com/office/powerpoint/2010/main" val="2753116326"/>
-      </p:ext>
-    </p:extLst>
-  </p:cSld>
-  <p:clrMapOvr>
-    <a:masterClrMapping/>
-  </p:clrMapOvr>
-</p:sld>
-</file>
-
-<file path=ppt/slides/slide3.xml><?xml version="1.0" encoding="utf-8"?>
-<p:sld xmlns:a="http://schemas.openxmlformats.org/drawingml/2006/main" xmlns:r="http://schemas.openxmlformats.org/officeDocument/2006/relationships" xmlns:p="http://schemas.openxmlformats.org/presentationml/2006/main">
-  <p:cSld>
-    <p:spTree>
-      <p:nvGrpSpPr>
-        <p:cNvPr id="1" name="Shape 28"/>
-        <p:cNvGrpSpPr/>
-        <p:nvPr/>
-      </p:nvGrpSpPr>
-      <p:grpSpPr>
-        <a:xfrm>
-          <a:off x="0" y="0"/>
-          <a:ext cx="0" cy="0"/>
-          <a:chOff x="0" y="0"/>
-          <a:chExt cx="0" cy="0"/>
-        </a:xfrm>
-      </p:grpSpPr>
-      <p:sp>
-        <p:nvSpPr>
-          <p:cNvPr id="29" name="Google Shape;29;p2"/>
-          <p:cNvSpPr txBox="1"/>
-          <p:nvPr/>
-        </p:nvSpPr>
-        <p:spPr>
-          <a:xfrm>
-            <a:off x="9253406" y="200997"/>
-            <a:ext cx="530727" cy="296664"/>
-          </a:xfrm>
-          <a:prstGeom prst="rect">
-            <a:avLst/>
-          </a:prstGeom>
-          <a:noFill/>
-          <a:ln>
-            <a:noFill/>
-          </a:ln>
-        </p:spPr>
-        <p:txBody>
-          <a:bodyPr spcFirstLastPara="1" wrap="square" lIns="74275" tIns="37125" rIns="74275" bIns="37125" anchor="ctr" anchorCtr="0">
-            <a:noAutofit/>
-          </a:bodyPr>
-          <a:lstStyle/>
-          <a:p>
-            <a:pPr marL="0" marR="0" lvl="0" indent="0" algn="r" rtl="0">
-              <a:spcBef>
-                <a:spcPts val="0"/>
-              </a:spcBef>
-              <a:spcAft>
-                <a:spcPts val="0"/>
-              </a:spcAft>
-              <a:buNone/>
-            </a:pPr>
-            <a:fld id="{00000000-1234-1234-1234-123412341234}" type="slidenum">
-              <a:rPr lang="en-US" altLang="ko-KR" sz="1300" b="1" u="none">
-                <a:solidFill>
-                  <a:srgbClr val="7F7F7F"/>
-                </a:solidFill>
-                <a:latin typeface="Arial"/>
-                <a:ea typeface="Arial"/>
-                <a:cs typeface="Arial"/>
-                <a:sym typeface="Arial"/>
-              </a:rPr>
-              <a:t>3</a:t>
-            </a:fld>
-            <a:endParaRPr sz="1300" b="1" u="none">
-              <a:solidFill>
-                <a:srgbClr val="7F7F7F"/>
-              </a:solidFill>
-              <a:latin typeface="Arial"/>
-              <a:ea typeface="Arial"/>
-              <a:cs typeface="Arial"/>
-              <a:sym typeface="Arial"/>
-            </a:endParaRPr>
-          </a:p>
-        </p:txBody>
-      </p:sp>
-      <p:sp>
-        <p:nvSpPr>
-          <p:cNvPr id="30" name="Google Shape;30;p2"/>
-          <p:cNvSpPr txBox="1"/>
-          <p:nvPr/>
-        </p:nvSpPr>
-        <p:spPr>
-          <a:xfrm>
-            <a:off x="278116" y="156948"/>
-            <a:ext cx="8910300" cy="831000"/>
-          </a:xfrm>
-          <a:prstGeom prst="rect">
-            <a:avLst/>
-          </a:prstGeom>
-          <a:noFill/>
-          <a:ln>
-            <a:noFill/>
-          </a:ln>
-        </p:spPr>
-        <p:txBody>
-          <a:bodyPr spcFirstLastPara="1" wrap="square" lIns="91425" tIns="45700" rIns="91425" bIns="45700" anchor="t" anchorCtr="0">
-            <a:noAutofit/>
-          </a:bodyPr>
-          <a:lstStyle/>
-          <a:p>
-            <a:pPr marL="0" marR="0" lvl="0" indent="0" algn="ctr" rtl="0">
-              <a:spcBef>
-                <a:spcPts val="0"/>
-              </a:spcBef>
-              <a:spcAft>
-                <a:spcPts val="0"/>
-              </a:spcAft>
-              <a:buNone/>
-            </a:pPr>
-            <a:r>
-              <a:rPr lang="ko-KR" sz="1800" dirty="0">
-                <a:solidFill>
-                  <a:schemeClr val="dk1"/>
-                </a:solidFill>
-              </a:rPr>
-              <a:t>데이터 과학을 위한 통계  - 발표자: </a:t>
-            </a:r>
-            <a:r>
-              <a:rPr lang="ko-KR" altLang="en-US" sz="1800" dirty="0">
-                <a:solidFill>
-                  <a:schemeClr val="dk1"/>
-                </a:solidFill>
-              </a:rPr>
-              <a:t>김동현</a:t>
-            </a:r>
-            <a:endParaRPr sz="1800" dirty="0"/>
-          </a:p>
-        </p:txBody>
-      </p:sp>
-      <p:sp>
-        <p:nvSpPr>
-          <p:cNvPr id="8" name="TextBox 7">
-            <a:extLst>
-              <a:ext uri="{FF2B5EF4-FFF2-40B4-BE49-F238E27FC236}">
-                <a16:creationId xmlns:a16="http://schemas.microsoft.com/office/drawing/2014/main" id="{53CACBD9-B236-4E1B-9525-3B3376922A2B}"/>
-              </a:ext>
-            </a:extLst>
-          </p:cNvPr>
-          <p:cNvSpPr txBox="1"/>
-          <p:nvPr/>
-        </p:nvSpPr>
-        <p:spPr>
-          <a:xfrm>
-            <a:off x="-1" y="742858"/>
-            <a:ext cx="9906000" cy="1015663"/>
-          </a:xfrm>
-          <a:prstGeom prst="rect">
-            <a:avLst/>
-          </a:prstGeom>
-          <a:noFill/>
-        </p:spPr>
-        <p:txBody>
-          <a:bodyPr wrap="square" rtlCol="0">
-            <a:spAutoFit/>
-          </a:bodyPr>
-          <a:lstStyle/>
-          <a:p>
-            <a:endParaRPr lang="en-US" altLang="ko-KR" sz="2000" b="1" dirty="0"/>
-          </a:p>
-          <a:p>
-            <a:endParaRPr lang="en-US" altLang="ko-KR" sz="2000" b="1" dirty="0"/>
-          </a:p>
-          <a:p>
-            <a:endParaRPr lang="ko-KR" altLang="en-US" sz="2000" b="1" dirty="0"/>
-          </a:p>
-        </p:txBody>
-      </p:sp>
-      <p:pic>
-        <p:nvPicPr>
-          <p:cNvPr id="5" name="그림 4">
-            <a:extLst>
-              <a:ext uri="{FF2B5EF4-FFF2-40B4-BE49-F238E27FC236}">
-                <a16:creationId xmlns:a16="http://schemas.microsoft.com/office/drawing/2014/main" id="{5A394DC4-7DCD-4B3F-9FEF-83E360868F8A}"/>
-              </a:ext>
-            </a:extLst>
-          </p:cNvPr>
-          <p:cNvPicPr>
-            <a:picLocks noChangeAspect="1"/>
-          </p:cNvPicPr>
-          <p:nvPr/>
-        </p:nvPicPr>
-        <p:blipFill>
-          <a:blip r:embed="rId3"/>
-          <a:stretch>
-            <a:fillRect/>
-          </a:stretch>
-        </p:blipFill>
-        <p:spPr>
-          <a:xfrm>
-            <a:off x="278115" y="742858"/>
-            <a:ext cx="4529790" cy="5795728"/>
-          </a:xfrm>
-          <a:prstGeom prst="rect">
-            <a:avLst/>
-          </a:prstGeom>
-        </p:spPr>
-      </p:pic>
-      <p:pic>
-        <p:nvPicPr>
-          <p:cNvPr id="6" name="그림 5">
-            <a:extLst>
-              <a:ext uri="{FF2B5EF4-FFF2-40B4-BE49-F238E27FC236}">
-                <a16:creationId xmlns:a16="http://schemas.microsoft.com/office/drawing/2014/main" id="{A57133F5-9FD4-4CE6-B57E-205F95C30834}"/>
-              </a:ext>
-            </a:extLst>
-          </p:cNvPr>
-          <p:cNvPicPr>
-            <a:picLocks noChangeAspect="1"/>
-          </p:cNvPicPr>
-          <p:nvPr/>
-        </p:nvPicPr>
-        <p:blipFill>
-          <a:blip r:embed="rId4"/>
-          <a:stretch>
-            <a:fillRect/>
-          </a:stretch>
-        </p:blipFill>
-        <p:spPr>
-          <a:xfrm>
-            <a:off x="5098094" y="742858"/>
-            <a:ext cx="4529790" cy="5795728"/>
-          </a:xfrm>
-          <a:prstGeom prst="rect">
-            <a:avLst/>
-          </a:prstGeom>
-        </p:spPr>
-      </p:pic>
-    </p:spTree>
-    <p:extLst>
-      <p:ext uri="{BB962C8B-B14F-4D97-AF65-F5344CB8AC3E}">
-        <p14:creationId xmlns:p14="http://schemas.microsoft.com/office/powerpoint/2010/main" val="481949782"/>
-      </p:ext>
-    </p:extLst>
-  </p:cSld>
-  <p:clrMapOvr>
-    <a:masterClrMapping/>
-  </p:clrMapOvr>
-</p:sld>
-</file>
-
-<file path=ppt/slides/slide4.xml><?xml version="1.0" encoding="utf-8"?>
-<p:sld xmlns:a="http://schemas.openxmlformats.org/drawingml/2006/main" xmlns:r="http://schemas.openxmlformats.org/officeDocument/2006/relationships" xmlns:p="http://schemas.openxmlformats.org/presentationml/2006/main">
-  <p:cSld>
-    <p:spTree>
-      <p:nvGrpSpPr>
-        <p:cNvPr id="1" name="Shape 28"/>
-        <p:cNvGrpSpPr/>
-        <p:nvPr/>
-      </p:nvGrpSpPr>
-      <p:grpSpPr>
-        <a:xfrm>
-          <a:off x="0" y="0"/>
-          <a:ext cx="0" cy="0"/>
-          <a:chOff x="0" y="0"/>
-          <a:chExt cx="0" cy="0"/>
-        </a:xfrm>
-      </p:grpSpPr>
-      <p:sp>
-        <p:nvSpPr>
-          <p:cNvPr id="29" name="Google Shape;29;p2"/>
-          <p:cNvSpPr txBox="1"/>
-          <p:nvPr/>
-        </p:nvSpPr>
-        <p:spPr>
-          <a:xfrm>
-            <a:off x="9253406" y="200997"/>
-            <a:ext cx="530727" cy="296664"/>
-          </a:xfrm>
-          <a:prstGeom prst="rect">
-            <a:avLst/>
-          </a:prstGeom>
-          <a:noFill/>
-          <a:ln>
-            <a:noFill/>
-          </a:ln>
-        </p:spPr>
-        <p:txBody>
-          <a:bodyPr spcFirstLastPara="1" wrap="square" lIns="74275" tIns="37125" rIns="74275" bIns="37125" anchor="ctr" anchorCtr="0">
-            <a:noAutofit/>
-          </a:bodyPr>
-          <a:lstStyle/>
-          <a:p>
-            <a:pPr marL="0" marR="0" lvl="0" indent="0" algn="r" rtl="0">
-              <a:spcBef>
-                <a:spcPts val="0"/>
-              </a:spcBef>
-              <a:spcAft>
-                <a:spcPts val="0"/>
-              </a:spcAft>
-              <a:buNone/>
-            </a:pPr>
-            <a:fld id="{00000000-1234-1234-1234-123412341234}" type="slidenum">
-              <a:rPr lang="en-US" altLang="ko-KR" sz="1300" b="1" u="none">
-                <a:solidFill>
-                  <a:srgbClr val="7F7F7F"/>
-                </a:solidFill>
-                <a:latin typeface="Arial"/>
-                <a:ea typeface="Arial"/>
-                <a:cs typeface="Arial"/>
-                <a:sym typeface="Arial"/>
-              </a:rPr>
-              <a:t>4</a:t>
-            </a:fld>
-            <a:endParaRPr sz="1300" b="1" u="none">
-              <a:solidFill>
-                <a:srgbClr val="7F7F7F"/>
-              </a:solidFill>
-              <a:latin typeface="Arial"/>
-              <a:ea typeface="Arial"/>
-              <a:cs typeface="Arial"/>
-              <a:sym typeface="Arial"/>
-            </a:endParaRPr>
-          </a:p>
-        </p:txBody>
-      </p:sp>
-      <p:sp>
-        <p:nvSpPr>
-          <p:cNvPr id="30" name="Google Shape;30;p2"/>
-          <p:cNvSpPr txBox="1"/>
-          <p:nvPr/>
-        </p:nvSpPr>
-        <p:spPr>
-          <a:xfrm>
-            <a:off x="278116" y="156948"/>
-            <a:ext cx="8910300" cy="831000"/>
-          </a:xfrm>
-          <a:prstGeom prst="rect">
-            <a:avLst/>
-          </a:prstGeom>
-          <a:noFill/>
-          <a:ln>
-            <a:noFill/>
-          </a:ln>
-        </p:spPr>
-        <p:txBody>
-          <a:bodyPr spcFirstLastPara="1" wrap="square" lIns="91425" tIns="45700" rIns="91425" bIns="45700" anchor="t" anchorCtr="0">
-            <a:noAutofit/>
-          </a:bodyPr>
-          <a:lstStyle/>
-          <a:p>
-            <a:pPr marL="0" marR="0" lvl="0" indent="0" algn="ctr" rtl="0">
-              <a:spcBef>
-                <a:spcPts val="0"/>
-              </a:spcBef>
-              <a:spcAft>
-                <a:spcPts val="0"/>
-              </a:spcAft>
-              <a:buNone/>
-            </a:pPr>
-            <a:r>
-              <a:rPr lang="ko-KR" sz="1800" dirty="0">
-                <a:solidFill>
-                  <a:schemeClr val="dk1"/>
-                </a:solidFill>
-              </a:rPr>
-              <a:t>데이터 과학을 위한 통계  - 발표자: </a:t>
-            </a:r>
-            <a:r>
-              <a:rPr lang="ko-KR" altLang="en-US" sz="1800" dirty="0">
-                <a:solidFill>
-                  <a:schemeClr val="dk1"/>
-                </a:solidFill>
-              </a:rPr>
-              <a:t>김동현</a:t>
-            </a:r>
-            <a:endParaRPr sz="1800" dirty="0"/>
-          </a:p>
-        </p:txBody>
-      </p:sp>
-      <p:sp>
-        <p:nvSpPr>
-          <p:cNvPr id="8" name="TextBox 7">
-            <a:extLst>
-              <a:ext uri="{FF2B5EF4-FFF2-40B4-BE49-F238E27FC236}">
-                <a16:creationId xmlns:a16="http://schemas.microsoft.com/office/drawing/2014/main" id="{53CACBD9-B236-4E1B-9525-3B3376922A2B}"/>
-              </a:ext>
-            </a:extLst>
-          </p:cNvPr>
-          <p:cNvSpPr txBox="1"/>
-          <p:nvPr/>
-        </p:nvSpPr>
-        <p:spPr>
-          <a:xfrm>
-            <a:off x="-1" y="742858"/>
-            <a:ext cx="9906000" cy="1015663"/>
-          </a:xfrm>
-          <a:prstGeom prst="rect">
-            <a:avLst/>
-          </a:prstGeom>
-          <a:noFill/>
-        </p:spPr>
-        <p:txBody>
-          <a:bodyPr wrap="square" rtlCol="0">
-            <a:spAutoFit/>
-          </a:bodyPr>
-          <a:lstStyle/>
-          <a:p>
-            <a:endParaRPr lang="en-US" altLang="ko-KR" sz="2000" b="1" dirty="0"/>
-          </a:p>
-          <a:p>
-            <a:endParaRPr lang="en-US" altLang="ko-KR" sz="2000" b="1" dirty="0"/>
-          </a:p>
-          <a:p>
-            <a:endParaRPr lang="ko-KR" altLang="en-US" sz="2000" b="1" dirty="0"/>
-          </a:p>
-        </p:txBody>
-      </p:sp>
-      <p:pic>
-        <p:nvPicPr>
-          <p:cNvPr id="2" name="그림 1">
-            <a:extLst>
-              <a:ext uri="{FF2B5EF4-FFF2-40B4-BE49-F238E27FC236}">
-                <a16:creationId xmlns:a16="http://schemas.microsoft.com/office/drawing/2014/main" id="{B807E551-5DCB-49B2-AC18-E7D407052CB8}"/>
-              </a:ext>
-            </a:extLst>
-          </p:cNvPr>
-          <p:cNvPicPr>
-            <a:picLocks noChangeAspect="1"/>
-          </p:cNvPicPr>
-          <p:nvPr/>
-        </p:nvPicPr>
-        <p:blipFill>
-          <a:blip r:embed="rId3"/>
-          <a:stretch>
-            <a:fillRect/>
-          </a:stretch>
-        </p:blipFill>
-        <p:spPr>
-          <a:xfrm>
-            <a:off x="278116" y="860942"/>
-            <a:ext cx="5329273" cy="5746538"/>
-          </a:xfrm>
-          <a:prstGeom prst="rect">
-            <a:avLst/>
-          </a:prstGeom>
-        </p:spPr>
-      </p:pic>
-    </p:spTree>
-    <p:extLst>
-      <p:ext uri="{BB962C8B-B14F-4D97-AF65-F5344CB8AC3E}">
-        <p14:creationId xmlns:p14="http://schemas.microsoft.com/office/powerpoint/2010/main" val="2454103114"/>
+        <p14:creationId xmlns:p14="http://schemas.microsoft.com/office/powerpoint/2010/main" val="3639560424"/>
       </p:ext>
     </p:extLst>
   </p:cSld>
